--- a/folded_gilbert/seminar/20231205/20231201小島光.pptx
+++ b/folded_gilbert/seminar/20231205/20231201小島光.pptx
@@ -13603,7 +13603,7 @@
         <p:spPr>
           <a:xfrm>
             <a:off x="1809135" y="1799303"/>
-            <a:ext cx="8573729" cy="3416320"/>
+            <a:ext cx="8573729" cy="4154984"/>
           </a:xfrm>
           <a:prstGeom prst="rect">
             <a:avLst/>
@@ -13695,6 +13695,24 @@
             <a:r>
               <a:rPr lang="ja-JP" altLang="en-US" sz="2400" dirty="0"/>
               <a:t>まとめ</a:t>
+            </a:r>
+            <a:endParaRPr lang="en-US" altLang="ja-JP" sz="2400" dirty="0"/>
+          </a:p>
+          <a:p>
+            <a:pPr marL="342900" indent="-342900">
+              <a:buFont typeface="Arial" panose="020B0604020202020204" pitchFamily="34" charset="0"/>
+              <a:buChar char="•"/>
+            </a:pPr>
+            <a:endParaRPr lang="en-US" altLang="ja-JP" sz="2400" dirty="0"/>
+          </a:p>
+          <a:p>
+            <a:pPr marL="342900" indent="-342900">
+              <a:buFont typeface="Arial" panose="020B0604020202020204" pitchFamily="34" charset="0"/>
+              <a:buChar char="•"/>
+            </a:pPr>
+            <a:r>
+              <a:rPr lang="ja-JP" altLang="en-US" sz="2400"/>
+              <a:t>付録　小信号解析</a:t>
             </a:r>
             <a:endParaRPr lang="en-US" altLang="ja-JP" sz="2400" dirty="0"/>
           </a:p>

--- a/folded_gilbert/seminar/20231205/20231201小島光.pptx
+++ b/folded_gilbert/seminar/20231205/20231201小島光.pptx
@@ -217,7 +217,7 @@
           <a:p>
             <a:fld id="{F8456487-DC86-474A-B4EE-F658698A396D}" type="datetimeFigureOut">
               <a:rPr kumimoji="1" lang="ja-JP" altLang="en-US" smtClean="0"/>
-              <a:t>2023/11/30</a:t>
+              <a:t>2023/12/1</a:t>
             </a:fld>
             <a:endParaRPr kumimoji="1" lang="ja-JP" altLang="en-US"/>
           </a:p>
@@ -17428,8 +17428,8 @@
           </a:p>
         </p:txBody>
       </p:sp>
-      <mc:AlternateContent xmlns:mc="http://schemas.openxmlformats.org/markup-compatibility/2006" xmlns:a14="http://schemas.microsoft.com/office/drawing/2010/main">
-        <mc:Choice Requires="a14">
+      <mc:AlternateContent xmlns:mc="http://schemas.openxmlformats.org/markup-compatibility/2006">
+        <mc:Choice xmlns:a14="http://schemas.microsoft.com/office/drawing/2010/main" Requires="a14">
           <p:sp>
             <p:nvSpPr>
               <p:cNvPr id="12" name="テキスト ボックス 11">
@@ -17445,7 +17445,7 @@
             <p:spPr>
               <a:xfrm>
                 <a:off x="6096000" y="1774511"/>
-                <a:ext cx="5721791" cy="1218988"/>
+                <a:ext cx="5721791" cy="1579791"/>
               </a:xfrm>
               <a:prstGeom prst="rect">
                 <a:avLst/>
@@ -17831,6 +17831,18 @@
                           </m:r>
                         </m:sub>
                       </m:sSub>
+                      <m:r>
+                        <a:rPr kumimoji="1" lang="en-US" altLang="ja-JP" sz="2400" b="0" i="1" smtClean="0">
+                          <a:latin typeface="Cambria Math" panose="02040503050406030204" pitchFamily="18" charset="0"/>
+                        </a:rPr>
+                        <m:t>.</m:t>
+                      </m:r>
+                      <m:r>
+                        <a:rPr kumimoji="1" lang="en-US" altLang="ja-JP" sz="2400" b="0" i="1" smtClean="0">
+                          <a:latin typeface="Cambria Math" panose="02040503050406030204" pitchFamily="18" charset="0"/>
+                        </a:rPr>
+                        <m:t>𝑣𝑖𝑛</m:t>
+                      </m:r>
                     </m:oMath>
                   </m:oMathPara>
                 </a14:m>
@@ -17839,7 +17851,7 @@
             </p:txBody>
           </p:sp>
         </mc:Choice>
-        <mc:Fallback xmlns="">
+        <mc:Fallback>
           <p:sp>
             <p:nvSpPr>
               <p:cNvPr id="12" name="テキスト ボックス 11">
@@ -17857,7 +17869,7 @@
             <p:spPr>
               <a:xfrm>
                 <a:off x="6096000" y="1774511"/>
-                <a:ext cx="5721791" cy="1218988"/>
+                <a:ext cx="5721791" cy="1579791"/>
               </a:xfrm>
               <a:prstGeom prst="rect">
                 <a:avLst/>
@@ -17865,7 +17877,7 @@
               <a:blipFill>
                 <a:blip r:embed="rId4"/>
                 <a:stretch>
-                  <a:fillRect l="-1597" t="-4000"/>
+                  <a:fillRect l="-1597" t="-3089"/>
                 </a:stretch>
               </a:blipFill>
             </p:spPr>
